--- a/Autumn/Common/1. Язык С - начало.pptx
+++ b/Autumn/Common/1. Язык С - начало.pptx
@@ -29,12 +29,12 @@
     <p:sldId id="276" r:id="rId20"/>
     <p:sldId id="282" r:id="rId21"/>
     <p:sldId id="283" r:id="rId22"/>
-    <p:sldId id="263" r:id="rId23"/>
-    <p:sldId id="264" r:id="rId24"/>
-    <p:sldId id="284" r:id="rId25"/>
-    <p:sldId id="265" r:id="rId26"/>
-    <p:sldId id="266" r:id="rId27"/>
-    <p:sldId id="267" r:id="rId28"/>
+    <p:sldId id="267" r:id="rId23"/>
+    <p:sldId id="263" r:id="rId24"/>
+    <p:sldId id="264" r:id="rId25"/>
+    <p:sldId id="284" r:id="rId26"/>
+    <p:sldId id="265" r:id="rId27"/>
+    <p:sldId id="266" r:id="rId28"/>
     <p:sldId id="268" r:id="rId29"/>
     <p:sldId id="278" r:id="rId30"/>
     <p:sldId id="293" r:id="rId31"/>
@@ -188,12 +188,12 @@
           <p14:sldIdLst>
             <p14:sldId id="282"/>
             <p14:sldId id="283"/>
+            <p14:sldId id="267"/>
             <p14:sldId id="263"/>
             <p14:sldId id="264"/>
             <p14:sldId id="284"/>
             <p14:sldId id="265"/>
             <p14:sldId id="266"/>
-            <p14:sldId id="267"/>
           </p14:sldIdLst>
         </p14:section>
         <p14:section name="Небольшой обзор консольного ввода-вывода" id="{2CF71BDB-E2AE-4F4E-895D-0BFC660C3B6F}">
@@ -228,6 +228,10 @@
     </p:ext>
   </p:extLst>
 </p:presentation>
+</file>
+
+<file path=ppt/revisionInfo.xml><?xml version="1.0" encoding="utf-8"?>
+<p1510:revInfo xmlns:a="http://schemas.openxmlformats.org/drawingml/2006/main" xmlns:r="http://schemas.openxmlformats.org/officeDocument/2006/relationships" xmlns:p1510="http://schemas.microsoft.com/office/powerpoint/2015/10/main"/>
 </file>
 
 <file path=ppt/diagrams/colors1.xml><?xml version="1.0" encoding="utf-8"?>
@@ -14984,7 +14988,7 @@
           <a:p>
             <a:fld id="{0FE49196-CD65-4FCA-A948-82134182D391}" type="datetimeFigureOut">
               <a:rPr lang="ru-RU" smtClean="0"/>
-              <a:t>19.09.2017</a:t>
+              <a:t>20.09.2017</a:t>
             </a:fld>
             <a:endParaRPr lang="ru-RU"/>
           </a:p>
@@ -15762,7 +15766,7 @@
           <a:p>
             <a:fld id="{35DCE78D-1C97-46CC-9E74-9CCE596C76F5}" type="datetimeFigureOut">
               <a:rPr lang="ru-RU" smtClean="0"/>
-              <a:t>19.09.2017</a:t>
+              <a:t>20.09.2017</a:t>
             </a:fld>
             <a:endParaRPr lang="ru-RU"/>
           </a:p>
@@ -15932,7 +15936,7 @@
           <a:p>
             <a:fld id="{35DCE78D-1C97-46CC-9E74-9CCE596C76F5}" type="datetimeFigureOut">
               <a:rPr lang="ru-RU" smtClean="0"/>
-              <a:t>19.09.2017</a:t>
+              <a:t>20.09.2017</a:t>
             </a:fld>
             <a:endParaRPr lang="ru-RU"/>
           </a:p>
@@ -16112,7 +16116,7 @@
           <a:p>
             <a:fld id="{35DCE78D-1C97-46CC-9E74-9CCE596C76F5}" type="datetimeFigureOut">
               <a:rPr lang="ru-RU" smtClean="0"/>
-              <a:t>19.09.2017</a:t>
+              <a:t>20.09.2017</a:t>
             </a:fld>
             <a:endParaRPr lang="ru-RU"/>
           </a:p>
@@ -16282,7 +16286,7 @@
           <a:p>
             <a:fld id="{35DCE78D-1C97-46CC-9E74-9CCE596C76F5}" type="datetimeFigureOut">
               <a:rPr lang="ru-RU" smtClean="0"/>
-              <a:t>19.09.2017</a:t>
+              <a:t>20.09.2017</a:t>
             </a:fld>
             <a:endParaRPr lang="ru-RU"/>
           </a:p>
@@ -16526,7 +16530,7 @@
           <a:p>
             <a:fld id="{35DCE78D-1C97-46CC-9E74-9CCE596C76F5}" type="datetimeFigureOut">
               <a:rPr lang="ru-RU" smtClean="0"/>
-              <a:t>19.09.2017</a:t>
+              <a:t>20.09.2017</a:t>
             </a:fld>
             <a:endParaRPr lang="ru-RU"/>
           </a:p>
@@ -16758,7 +16762,7 @@
           <a:p>
             <a:fld id="{35DCE78D-1C97-46CC-9E74-9CCE596C76F5}" type="datetimeFigureOut">
               <a:rPr lang="ru-RU" smtClean="0"/>
-              <a:t>19.09.2017</a:t>
+              <a:t>20.09.2017</a:t>
             </a:fld>
             <a:endParaRPr lang="ru-RU"/>
           </a:p>
@@ -17125,7 +17129,7 @@
           <a:p>
             <a:fld id="{35DCE78D-1C97-46CC-9E74-9CCE596C76F5}" type="datetimeFigureOut">
               <a:rPr lang="ru-RU" smtClean="0"/>
-              <a:t>19.09.2017</a:t>
+              <a:t>20.09.2017</a:t>
             </a:fld>
             <a:endParaRPr lang="ru-RU"/>
           </a:p>
@@ -17243,7 +17247,7 @@
           <a:p>
             <a:fld id="{35DCE78D-1C97-46CC-9E74-9CCE596C76F5}" type="datetimeFigureOut">
               <a:rPr lang="ru-RU" smtClean="0"/>
-              <a:t>19.09.2017</a:t>
+              <a:t>20.09.2017</a:t>
             </a:fld>
             <a:endParaRPr lang="ru-RU"/>
           </a:p>
@@ -17338,7 +17342,7 @@
           <a:p>
             <a:fld id="{35DCE78D-1C97-46CC-9E74-9CCE596C76F5}" type="datetimeFigureOut">
               <a:rPr lang="ru-RU" smtClean="0"/>
-              <a:t>19.09.2017</a:t>
+              <a:t>20.09.2017</a:t>
             </a:fld>
             <a:endParaRPr lang="ru-RU"/>
           </a:p>
@@ -17615,7 +17619,7 @@
           <a:p>
             <a:fld id="{35DCE78D-1C97-46CC-9E74-9CCE596C76F5}" type="datetimeFigureOut">
               <a:rPr lang="ru-RU" smtClean="0"/>
-              <a:t>19.09.2017</a:t>
+              <a:t>20.09.2017</a:t>
             </a:fld>
             <a:endParaRPr lang="ru-RU"/>
           </a:p>
@@ -17872,7 +17876,7 @@
           <a:p>
             <a:fld id="{35DCE78D-1C97-46CC-9E74-9CCE596C76F5}" type="datetimeFigureOut">
               <a:rPr lang="ru-RU" smtClean="0"/>
-              <a:t>19.09.2017</a:t>
+              <a:t>20.09.2017</a:t>
             </a:fld>
             <a:endParaRPr lang="ru-RU"/>
           </a:p>
@@ -18085,7 +18089,7 @@
           <a:p>
             <a:fld id="{35DCE78D-1C97-46CC-9E74-9CCE596C76F5}" type="datetimeFigureOut">
               <a:rPr lang="ru-RU" smtClean="0"/>
-              <a:t>19.09.2017</a:t>
+              <a:t>20.09.2017</a:t>
             </a:fld>
             <a:endParaRPr lang="ru-RU"/>
           </a:p>
@@ -19884,6 +19888,13 @@
             <a:pPr lvl="1"/>
             <a:r>
               <a:rPr lang="en-US" dirty="0"/>
+              <a:t>!=</a:t>
+            </a:r>
+          </a:p>
+          <a:p>
+            <a:pPr lvl="1"/>
+            <a:r>
+              <a:rPr lang="en-US" dirty="0"/>
               <a:t>&gt;= </a:t>
             </a:r>
           </a:p>
@@ -20518,8 +20529,13 @@
           <a:p>
             <a:r>
               <a:rPr lang="ru-RU" dirty="0"/>
-              <a:t>Условный оператор</a:t>
-            </a:r>
+              <a:t>Ограниченное использование </a:t>
+            </a:r>
+            <a:r>
+              <a:rPr lang="en-US" dirty="0"/>
+              <a:t>GOTO</a:t>
+            </a:r>
+            <a:endParaRPr lang="ru-RU" dirty="0"/>
           </a:p>
         </p:txBody>
       </p:sp>
@@ -20535,117 +20551,47 @@
         </p:nvSpPr>
         <p:spPr/>
         <p:txBody>
-          <a:bodyPr>
-            <a:normAutofit fontScale="92500" lnSpcReduction="20000"/>
-          </a:bodyPr>
+          <a:bodyPr/>
           <a:lstStyle/>
           <a:p>
-            <a:pPr marL="0" indent="0">
-              <a:buNone/>
-            </a:pPr>
             <a:r>
               <a:rPr lang="en-US" dirty="0"/>
-              <a:t>if(</a:t>
+              <a:t>GOTO </a:t>
             </a:r>
             <a:r>
               <a:rPr lang="ru-RU" dirty="0"/>
-              <a:t>условие</a:t>
-            </a:r>
+              <a:t>применяется в неявном виде для ограниченного изменения потока управления</a:t>
+            </a:r>
+            <a:endParaRPr lang="en-US" dirty="0"/>
+          </a:p>
+          <a:p>
+            <a:endParaRPr lang="ru-RU" dirty="0"/>
+          </a:p>
+          <a:p>
             <a:r>
               <a:rPr lang="en-US" dirty="0"/>
-              <a:t>)</a:t>
+              <a:t>return</a:t>
+            </a:r>
+          </a:p>
+          <a:p>
+            <a:r>
+              <a:rPr lang="en-US" dirty="0"/>
+              <a:t>break</a:t>
+            </a:r>
+          </a:p>
+          <a:p>
+            <a:r>
+              <a:rPr lang="en-US" dirty="0"/>
+              <a:t>continue</a:t>
             </a:r>
             <a:endParaRPr lang="ru-RU" dirty="0"/>
-          </a:p>
-          <a:p>
-            <a:pPr marL="0" indent="0">
-              <a:buNone/>
-            </a:pPr>
-            <a:r>
-              <a:rPr lang="en-US" dirty="0"/>
-              <a:t>{</a:t>
-            </a:r>
-            <a:endParaRPr lang="ru-RU" dirty="0"/>
-          </a:p>
-          <a:p>
-            <a:pPr marL="0" indent="0">
-              <a:buNone/>
-            </a:pPr>
-            <a:r>
-              <a:rPr lang="ru-RU" dirty="0"/>
-              <a:t>	операторы_истина</a:t>
-            </a:r>
-          </a:p>
-          <a:p>
-            <a:pPr marL="0" indent="0">
-              <a:buNone/>
-            </a:pPr>
-            <a:r>
-              <a:rPr lang="en-US" dirty="0"/>
-              <a:t>} </a:t>
-            </a:r>
-            <a:endParaRPr lang="ru-RU" dirty="0"/>
-          </a:p>
-          <a:p>
-            <a:pPr marL="0" indent="0">
-              <a:buNone/>
-            </a:pPr>
-            <a:r>
-              <a:rPr lang="en-US" dirty="0"/>
-              <a:t>else </a:t>
-            </a:r>
-            <a:endParaRPr lang="ru-RU" dirty="0"/>
-          </a:p>
-          <a:p>
-            <a:pPr marL="0" indent="0">
-              <a:buNone/>
-            </a:pPr>
-            <a:r>
-              <a:rPr lang="en-US" dirty="0"/>
-              <a:t>{</a:t>
-            </a:r>
-            <a:endParaRPr lang="ru-RU" dirty="0"/>
-          </a:p>
-          <a:p>
-            <a:pPr marL="0" indent="0">
-              <a:buNone/>
-            </a:pPr>
-            <a:r>
-              <a:rPr lang="ru-RU" dirty="0"/>
-              <a:t>	операторы_ложь</a:t>
-            </a:r>
-          </a:p>
-          <a:p>
-            <a:pPr marL="0" indent="0">
-              <a:buNone/>
-            </a:pPr>
-            <a:r>
-              <a:rPr lang="en-US" dirty="0"/>
-              <a:t>}</a:t>
-            </a:r>
-            <a:endParaRPr lang="ru-RU" dirty="0"/>
-          </a:p>
-          <a:p>
-            <a:pPr marL="0" indent="0">
-              <a:buNone/>
-            </a:pPr>
-            <a:endParaRPr lang="ru-RU" dirty="0"/>
-          </a:p>
-          <a:p>
-            <a:pPr marL="0" indent="0">
-              <a:buNone/>
-            </a:pPr>
-            <a:r>
-              <a:rPr lang="ru-RU" dirty="0"/>
-              <a:t>Условие – выражение, результат которого сравним с нулём</a:t>
-            </a:r>
           </a:p>
         </p:txBody>
       </p:sp>
     </p:spTree>
     <p:extLst>
       <p:ext uri="{BB962C8B-B14F-4D97-AF65-F5344CB8AC3E}">
-        <p14:creationId xmlns:p14="http://schemas.microsoft.com/office/powerpoint/2010/main" val="738983531"/>
+        <p14:creationId xmlns:p14="http://schemas.microsoft.com/office/powerpoint/2010/main" val="1698094646"/>
       </p:ext>
     </p:extLst>
   </p:cSld>
@@ -20689,7 +20635,7 @@
           <a:p>
             <a:r>
               <a:rPr lang="ru-RU" dirty="0"/>
-              <a:t>Тернарный оператор</a:t>
+              <a:t>Условный оператор</a:t>
             </a:r>
           </a:p>
         </p:txBody>
@@ -20706,29 +20652,95 @@
         </p:nvSpPr>
         <p:spPr/>
         <p:txBody>
-          <a:bodyPr/>
+          <a:bodyPr>
+            <a:normAutofit fontScale="92500" lnSpcReduction="20000"/>
+          </a:bodyPr>
           <a:lstStyle/>
           <a:p>
+            <a:pPr marL="0" indent="0">
+              <a:buNone/>
+            </a:pPr>
+            <a:r>
+              <a:rPr lang="en-US" dirty="0"/>
+              <a:t>if(</a:t>
+            </a:r>
             <a:r>
               <a:rPr lang="ru-RU" dirty="0"/>
               <a:t>условие</a:t>
             </a:r>
             <a:r>
               <a:rPr lang="en-US" dirty="0"/>
-              <a:t>?</a:t>
-            </a:r>
+              <a:t>)</a:t>
+            </a:r>
+            <a:endParaRPr lang="ru-RU" dirty="0"/>
+          </a:p>
+          <a:p>
+            <a:pPr marL="0" indent="0">
+              <a:buNone/>
+            </a:pPr>
+            <a:r>
+              <a:rPr lang="en-US" dirty="0"/>
+              <a:t>{</a:t>
+            </a:r>
+            <a:endParaRPr lang="ru-RU" dirty="0"/>
+          </a:p>
+          <a:p>
+            <a:pPr marL="0" indent="0">
+              <a:buNone/>
+            </a:pPr>
             <a:r>
               <a:rPr lang="ru-RU" dirty="0"/>
-              <a:t>результат_истина</a:t>
-            </a:r>
+              <a:t>	операторы_истина</a:t>
+            </a:r>
+          </a:p>
+          <a:p>
+            <a:pPr marL="0" indent="0">
+              <a:buNone/>
+            </a:pPr>
             <a:r>
               <a:rPr lang="en-US" dirty="0"/>
-              <a:t>:</a:t>
-            </a:r>
+              <a:t>} </a:t>
+            </a:r>
+            <a:endParaRPr lang="ru-RU" dirty="0"/>
+          </a:p>
+          <a:p>
+            <a:pPr marL="0" indent="0">
+              <a:buNone/>
+            </a:pPr>
+            <a:r>
+              <a:rPr lang="en-US" dirty="0"/>
+              <a:t>else </a:t>
+            </a:r>
+            <a:endParaRPr lang="ru-RU" dirty="0"/>
+          </a:p>
+          <a:p>
+            <a:pPr marL="0" indent="0">
+              <a:buNone/>
+            </a:pPr>
+            <a:r>
+              <a:rPr lang="en-US" dirty="0"/>
+              <a:t>{</a:t>
+            </a:r>
+            <a:endParaRPr lang="ru-RU" dirty="0"/>
+          </a:p>
+          <a:p>
+            <a:pPr marL="0" indent="0">
+              <a:buNone/>
+            </a:pPr>
             <a:r>
               <a:rPr lang="ru-RU" dirty="0"/>
-              <a:t>результат_ложь</a:t>
-            </a:r>
+              <a:t>	операторы_ложь</a:t>
+            </a:r>
+          </a:p>
+          <a:p>
+            <a:pPr marL="0" indent="0">
+              <a:buNone/>
+            </a:pPr>
+            <a:r>
+              <a:rPr lang="en-US" dirty="0"/>
+              <a:t>}</a:t>
+            </a:r>
+            <a:endParaRPr lang="ru-RU" dirty="0"/>
           </a:p>
           <a:p>
             <a:pPr marL="0" indent="0">
@@ -20737,22 +20749,20 @@
             <a:endParaRPr lang="ru-RU" dirty="0"/>
           </a:p>
           <a:p>
+            <a:pPr marL="0" indent="0">
+              <a:buNone/>
+            </a:pPr>
             <a:r>
               <a:rPr lang="ru-RU" dirty="0"/>
-              <a:t>Результат – </a:t>
-            </a:r>
-            <a:r>
-              <a:rPr lang="en-US" dirty="0"/>
-              <a:t>R-value</a:t>
-            </a:r>
-            <a:endParaRPr lang="ru-RU" dirty="0"/>
+              <a:t>Условие – выражение, результат которого сравним с нулём</a:t>
+            </a:r>
           </a:p>
         </p:txBody>
       </p:sp>
     </p:spTree>
     <p:extLst>
       <p:ext uri="{BB962C8B-B14F-4D97-AF65-F5344CB8AC3E}">
-        <p14:creationId xmlns:p14="http://schemas.microsoft.com/office/powerpoint/2010/main" val="96166543"/>
+        <p14:creationId xmlns:p14="http://schemas.microsoft.com/office/powerpoint/2010/main" val="738983531"/>
       </p:ext>
     </p:extLst>
   </p:cSld>
@@ -20796,13 +20806,8 @@
           <a:p>
             <a:r>
               <a:rPr lang="ru-RU" dirty="0"/>
-              <a:t>Оператор </a:t>
-            </a:r>
-            <a:r>
-              <a:rPr lang="en-US" dirty="0"/>
-              <a:t>switch</a:t>
-            </a:r>
-            <a:endParaRPr lang="ru-RU" dirty="0"/>
+              <a:t>Тернарный оператор</a:t>
+            </a:r>
           </a:p>
         </p:txBody>
       </p:sp>
@@ -20818,140 +20823,44 @@
         </p:nvSpPr>
         <p:spPr/>
         <p:txBody>
-          <a:bodyPr>
-            <a:normAutofit fontScale="77500" lnSpcReduction="20000"/>
-          </a:bodyPr>
+          <a:bodyPr/>
           <a:lstStyle/>
+          <a:p>
+            <a:r>
+              <a:rPr lang="ru-RU" dirty="0"/>
+              <a:t>условие</a:t>
+            </a:r>
+            <a:r>
+              <a:rPr lang="en-US" dirty="0"/>
+              <a:t>?</a:t>
+            </a:r>
+            <a:r>
+              <a:rPr lang="ru-RU" dirty="0"/>
+              <a:t>результат_истина</a:t>
+            </a:r>
+            <a:r>
+              <a:rPr lang="en-US" dirty="0"/>
+              <a:t>:</a:t>
+            </a:r>
+            <a:r>
+              <a:rPr lang="ru-RU" dirty="0"/>
+              <a:t>результат_ложь</a:t>
+            </a:r>
+          </a:p>
           <a:p>
             <a:pPr marL="0" indent="0">
               <a:buNone/>
             </a:pPr>
+            <a:endParaRPr lang="ru-RU" dirty="0"/>
+          </a:p>
+          <a:p>
+            <a:r>
+              <a:rPr lang="ru-RU" dirty="0"/>
+              <a:t>Результат – </a:t>
+            </a:r>
             <a:r>
               <a:rPr lang="en-US" dirty="0"/>
-              <a:t>switch(</a:t>
-            </a:r>
-            <a:r>
-              <a:rPr lang="ru-RU" dirty="0"/>
-              <a:t>выражение)</a:t>
-            </a:r>
-          </a:p>
-          <a:p>
-            <a:pPr marL="0" indent="0">
-              <a:buNone/>
-            </a:pPr>
-            <a:r>
-              <a:rPr lang="en-US" dirty="0"/>
-              <a:t>{</a:t>
-            </a:r>
-          </a:p>
-          <a:p>
-            <a:pPr marL="0" indent="0">
-              <a:buNone/>
-            </a:pPr>
-            <a:r>
-              <a:rPr lang="en-US" dirty="0"/>
-              <a:t>	case </a:t>
-            </a:r>
-            <a:r>
-              <a:rPr lang="ru-RU" dirty="0"/>
-              <a:t>константа:</a:t>
-            </a:r>
-          </a:p>
-          <a:p>
-            <a:pPr marL="0" indent="0">
-              <a:buNone/>
-            </a:pPr>
-            <a:r>
-              <a:rPr lang="en-US" dirty="0"/>
-              <a:t>	{</a:t>
-            </a:r>
-          </a:p>
-          <a:p>
-            <a:pPr marL="0" indent="0">
-              <a:buNone/>
-            </a:pPr>
-            <a:r>
-              <a:rPr lang="en-US" dirty="0"/>
-              <a:t>		</a:t>
-            </a:r>
-            <a:r>
-              <a:rPr lang="ru-RU" dirty="0"/>
-              <a:t>операторы</a:t>
-            </a:r>
-          </a:p>
-          <a:p>
-            <a:pPr marL="0" indent="0">
-              <a:buNone/>
-            </a:pPr>
-            <a:r>
-              <a:rPr lang="ru-RU" dirty="0"/>
-              <a:t>		</a:t>
-            </a:r>
-            <a:r>
-              <a:rPr lang="en-US" dirty="0"/>
-              <a:t>break;</a:t>
-            </a:r>
-          </a:p>
-          <a:p>
-            <a:pPr marL="0" indent="0">
-              <a:buNone/>
-            </a:pPr>
-            <a:r>
-              <a:rPr lang="en-US" dirty="0"/>
-              <a:t>	}</a:t>
-            </a:r>
-          </a:p>
-          <a:p>
-            <a:pPr marL="0" indent="0">
-              <a:buNone/>
-            </a:pPr>
-            <a:r>
-              <a:rPr lang="ru-RU" dirty="0"/>
-              <a:t>	</a:t>
-            </a:r>
-            <a:r>
-              <a:rPr lang="en-US" dirty="0"/>
-              <a:t>default:</a:t>
-            </a:r>
-          </a:p>
-          <a:p>
-            <a:pPr marL="0" indent="0">
-              <a:buNone/>
-            </a:pPr>
-            <a:r>
-              <a:rPr lang="en-US" dirty="0"/>
-              <a:t>	{</a:t>
-            </a:r>
-          </a:p>
-          <a:p>
-            <a:pPr marL="0" indent="0">
-              <a:buNone/>
-            </a:pPr>
-            <a:r>
-              <a:rPr lang="en-US" dirty="0"/>
-              <a:t>		</a:t>
-            </a:r>
-            <a:r>
-              <a:rPr lang="ru-RU" dirty="0"/>
-              <a:t>операторы</a:t>
-            </a:r>
-          </a:p>
-          <a:p>
-            <a:pPr marL="0" indent="0">
-              <a:buNone/>
-            </a:pPr>
-            <a:r>
-              <a:rPr lang="en-US" dirty="0"/>
-              <a:t>	}</a:t>
-            </a:r>
-          </a:p>
-          <a:p>
-            <a:pPr marL="0" indent="0">
-              <a:buNone/>
-            </a:pPr>
-            <a:r>
-              <a:rPr lang="en-US" dirty="0"/>
-              <a:t>}</a:t>
+              <a:t>R-value</a:t>
             </a:r>
             <a:endParaRPr lang="ru-RU" dirty="0"/>
           </a:p>
@@ -20960,7 +20869,7 @@
     </p:spTree>
     <p:extLst>
       <p:ext uri="{BB962C8B-B14F-4D97-AF65-F5344CB8AC3E}">
-        <p14:creationId xmlns:p14="http://schemas.microsoft.com/office/powerpoint/2010/main" val="2948380387"/>
+        <p14:creationId xmlns:p14="http://schemas.microsoft.com/office/powerpoint/2010/main" val="96166543"/>
       </p:ext>
     </p:extLst>
   </p:cSld>
@@ -21004,8 +20913,13 @@
           <a:p>
             <a:r>
               <a:rPr lang="ru-RU" dirty="0"/>
-              <a:t>Циклы с предусловием и постусловием</a:t>
-            </a:r>
+              <a:t>Оператор </a:t>
+            </a:r>
+            <a:r>
+              <a:rPr lang="en-US" dirty="0"/>
+              <a:t>switch</a:t>
+            </a:r>
+            <a:endParaRPr lang="ru-RU" dirty="0"/>
           </a:p>
         </p:txBody>
       </p:sp>
@@ -21022,7 +20936,7 @@
         <p:spPr/>
         <p:txBody>
           <a:bodyPr>
-            <a:normAutofit lnSpcReduction="10000"/>
+            <a:normAutofit fontScale="77500" lnSpcReduction="20000"/>
           </a:bodyPr>
           <a:lstStyle/>
           <a:p>
@@ -21031,11 +20945,11 @@
             </a:pPr>
             <a:r>
               <a:rPr lang="en-US" dirty="0"/>
-              <a:t>while(</a:t>
+              <a:t>switch(</a:t>
             </a:r>
             <a:r>
               <a:rPr lang="ru-RU" dirty="0"/>
-              <a:t>условие_останова)</a:t>
+              <a:t>выражение)</a:t>
             </a:r>
           </a:p>
           <a:p>
@@ -21046,15 +20960,18 @@
               <a:rPr lang="en-US" dirty="0"/>
               <a:t>{</a:t>
             </a:r>
-            <a:endParaRPr lang="ru-RU" dirty="0"/>
           </a:p>
           <a:p>
             <a:pPr marL="0" indent="0">
               <a:buNone/>
             </a:pPr>
             <a:r>
+              <a:rPr lang="en-US" dirty="0"/>
+              <a:t>	case </a:t>
+            </a:r>
+            <a:r>
               <a:rPr lang="ru-RU" dirty="0"/>
-              <a:t>	операторы</a:t>
+              <a:t>константа:</a:t>
             </a:r>
           </a:p>
           <a:p>
@@ -21063,24 +20980,34 @@
             </a:pPr>
             <a:r>
               <a:rPr lang="en-US" dirty="0"/>
-              <a:t>}</a:t>
+              <a:t>	{</a:t>
             </a:r>
           </a:p>
           <a:p>
             <a:pPr marL="0" indent="0">
               <a:buNone/>
             </a:pPr>
-            <a:endParaRPr lang="en-US" dirty="0"/>
+            <a:r>
+              <a:rPr lang="en-US" dirty="0"/>
+              <a:t>		</a:t>
+            </a:r>
+            <a:r>
+              <a:rPr lang="ru-RU" dirty="0"/>
+              <a:t>операторы</a:t>
+            </a:r>
           </a:p>
           <a:p>
             <a:pPr marL="0" indent="0">
               <a:buNone/>
             </a:pPr>
             <a:r>
+              <a:rPr lang="ru-RU" dirty="0"/>
+              <a:t>		</a:t>
+            </a:r>
+            <a:r>
               <a:rPr lang="en-US" dirty="0"/>
-              <a:t>do</a:t>
-            </a:r>
-            <a:endParaRPr lang="ru-RU" dirty="0"/>
+              <a:t>break;</a:t>
+            </a:r>
           </a:p>
           <a:p>
             <a:pPr marL="0" indent="0">
@@ -21088,9 +21015,8 @@
             </a:pPr>
             <a:r>
               <a:rPr lang="en-US" dirty="0"/>
-              <a:t>{</a:t>
-            </a:r>
-            <a:endParaRPr lang="ru-RU" dirty="0"/>
+              <a:t>	}</a:t>
+            </a:r>
           </a:p>
           <a:p>
             <a:pPr marL="0" indent="0">
@@ -21098,7 +21024,11 @@
             </a:pPr>
             <a:r>
               <a:rPr lang="ru-RU" dirty="0"/>
-              <a:t>	операторы</a:t>
+              <a:t>	</a:t>
+            </a:r>
+            <a:r>
+              <a:rPr lang="en-US" dirty="0"/>
+              <a:t>default:</a:t>
             </a:r>
           </a:p>
           <a:p>
@@ -21107,23 +21037,47 @@
             </a:pPr>
             <a:r>
               <a:rPr lang="en-US" dirty="0"/>
-              <a:t>} while(</a:t>
+              <a:t>	{</a:t>
+            </a:r>
+          </a:p>
+          <a:p>
+            <a:pPr marL="0" indent="0">
+              <a:buNone/>
+            </a:pPr>
+            <a:r>
+              <a:rPr lang="en-US" dirty="0"/>
+              <a:t>		</a:t>
             </a:r>
             <a:r>
               <a:rPr lang="ru-RU" dirty="0"/>
-              <a:t>условие_останова)</a:t>
-            </a:r>
+              <a:t>операторы</a:t>
+            </a:r>
+          </a:p>
+          <a:p>
+            <a:pPr marL="0" indent="0">
+              <a:buNone/>
+            </a:pPr>
             <a:r>
               <a:rPr lang="en-US" dirty="0"/>
-              <a:t>;</a:t>
-            </a:r>
+              <a:t>	}</a:t>
+            </a:r>
+          </a:p>
+          <a:p>
+            <a:pPr marL="0" indent="0">
+              <a:buNone/>
+            </a:pPr>
+            <a:r>
+              <a:rPr lang="en-US" dirty="0"/>
+              <a:t>}</a:t>
+            </a:r>
+            <a:endParaRPr lang="ru-RU" dirty="0"/>
           </a:p>
         </p:txBody>
       </p:sp>
     </p:spTree>
     <p:extLst>
       <p:ext uri="{BB962C8B-B14F-4D97-AF65-F5344CB8AC3E}">
-        <p14:creationId xmlns:p14="http://schemas.microsoft.com/office/powerpoint/2010/main" val="1895002844"/>
+        <p14:creationId xmlns:p14="http://schemas.microsoft.com/office/powerpoint/2010/main" val="2948380387"/>
       </p:ext>
     </p:extLst>
   </p:cSld>
@@ -21167,7 +21121,7 @@
           <a:p>
             <a:r>
               <a:rPr lang="ru-RU" dirty="0"/>
-              <a:t>Цикл с заданным числом итераций </a:t>
+              <a:t>Циклы с предусловием и постусловием</a:t>
             </a:r>
           </a:p>
         </p:txBody>
@@ -21184,66 +21138,40 @@
         </p:nvSpPr>
         <p:spPr/>
         <p:txBody>
-          <a:bodyPr/>
+          <a:bodyPr>
+            <a:normAutofit lnSpcReduction="10000"/>
+          </a:bodyPr>
           <a:lstStyle/>
-          <a:p>
-            <a:r>
-              <a:rPr lang="ru-RU" dirty="0"/>
-              <a:t>Весьма нестрогое именование</a:t>
-            </a:r>
-            <a:endParaRPr lang="en-US" dirty="0"/>
-          </a:p>
           <a:p>
             <a:pPr marL="0" indent="0">
               <a:buNone/>
             </a:pPr>
             <a:r>
-              <a:rPr lang="en-US" sz="2400" dirty="0"/>
-              <a:t>for(</a:t>
-            </a:r>
-            <a:r>
-              <a:rPr lang="ru-RU" sz="2400" dirty="0"/>
-              <a:t>инициализация</a:t>
-            </a:r>
-            <a:r>
-              <a:rPr lang="en-US" sz="2400" dirty="0"/>
-              <a:t>;</a:t>
-            </a:r>
-            <a:r>
-              <a:rPr lang="ru-RU" sz="2400" dirty="0"/>
-              <a:t>условие_останова</a:t>
-            </a:r>
-            <a:r>
-              <a:rPr lang="en-US" sz="2400" dirty="0"/>
-              <a:t>;</a:t>
-            </a:r>
-            <a:r>
-              <a:rPr lang="ru-RU" sz="2400" dirty="0"/>
-              <a:t>смена_итерации</a:t>
-            </a:r>
-            <a:r>
-              <a:rPr lang="en-US" sz="2400" dirty="0"/>
-              <a:t>)</a:t>
-            </a:r>
-            <a:endParaRPr lang="ru-RU" sz="2400" dirty="0"/>
+              <a:rPr lang="en-US" dirty="0"/>
+              <a:t>while(</a:t>
+            </a:r>
+            <a:r>
+              <a:rPr lang="ru-RU" dirty="0"/>
+              <a:t>условие_останова)</a:t>
+            </a:r>
           </a:p>
           <a:p>
             <a:pPr marL="0" indent="0">
               <a:buNone/>
             </a:pPr>
             <a:r>
-              <a:rPr lang="en-US" sz="2400" dirty="0"/>
+              <a:rPr lang="en-US" dirty="0"/>
               <a:t>{</a:t>
             </a:r>
-            <a:endParaRPr lang="ru-RU" sz="2400" dirty="0"/>
+            <a:endParaRPr lang="ru-RU" dirty="0"/>
           </a:p>
           <a:p>
             <a:pPr marL="0" indent="0">
               <a:buNone/>
             </a:pPr>
             <a:r>
-              <a:rPr lang="ru-RU" sz="2400" dirty="0"/>
-              <a:t>	тело_цикла</a:t>
+              <a:rPr lang="ru-RU" dirty="0"/>
+              <a:t>	операторы</a:t>
             </a:r>
           </a:p>
           <a:p>
@@ -21251,24 +21179,60 @@
               <a:buNone/>
             </a:pPr>
             <a:r>
-              <a:rPr lang="en-US" sz="2400" dirty="0"/>
+              <a:rPr lang="en-US" dirty="0"/>
               <a:t>}</a:t>
             </a:r>
-            <a:endParaRPr lang="ru-RU" sz="2400" dirty="0"/>
           </a:p>
           <a:p>
             <a:pPr marL="0" indent="0">
               <a:buNone/>
             </a:pPr>
-            <a:endParaRPr lang="ru-RU" sz="2400" dirty="0"/>
+            <a:endParaRPr lang="en-US" dirty="0"/>
           </a:p>
           <a:p>
             <a:pPr marL="0" indent="0">
               <a:buNone/>
             </a:pPr>
             <a:r>
-              <a:rPr lang="ru-RU" sz="2400" dirty="0"/>
-              <a:t>Инициализация, условие_останова и смена_итерации необязательны</a:t>
+              <a:rPr lang="en-US" dirty="0"/>
+              <a:t>do</a:t>
+            </a:r>
+            <a:endParaRPr lang="ru-RU" dirty="0"/>
+          </a:p>
+          <a:p>
+            <a:pPr marL="0" indent="0">
+              <a:buNone/>
+            </a:pPr>
+            <a:r>
+              <a:rPr lang="en-US" dirty="0"/>
+              <a:t>{</a:t>
+            </a:r>
+            <a:endParaRPr lang="ru-RU" dirty="0"/>
+          </a:p>
+          <a:p>
+            <a:pPr marL="0" indent="0">
+              <a:buNone/>
+            </a:pPr>
+            <a:r>
+              <a:rPr lang="ru-RU" dirty="0"/>
+              <a:t>	операторы</a:t>
+            </a:r>
+          </a:p>
+          <a:p>
+            <a:pPr marL="0" indent="0">
+              <a:buNone/>
+            </a:pPr>
+            <a:r>
+              <a:rPr lang="en-US" dirty="0"/>
+              <a:t>} while(</a:t>
+            </a:r>
+            <a:r>
+              <a:rPr lang="ru-RU" dirty="0"/>
+              <a:t>условие_останова)</a:t>
+            </a:r>
+            <a:r>
+              <a:rPr lang="en-US" dirty="0"/>
+              <a:t>;</a:t>
             </a:r>
           </a:p>
         </p:txBody>
@@ -21276,7 +21240,7 @@
     </p:spTree>
     <p:extLst>
       <p:ext uri="{BB962C8B-B14F-4D97-AF65-F5344CB8AC3E}">
-        <p14:creationId xmlns:p14="http://schemas.microsoft.com/office/powerpoint/2010/main" val="2843211129"/>
+        <p14:creationId xmlns:p14="http://schemas.microsoft.com/office/powerpoint/2010/main" val="1895002844"/>
       </p:ext>
     </p:extLst>
   </p:cSld>
@@ -21320,13 +21284,8 @@
           <a:p>
             <a:r>
               <a:rPr lang="ru-RU" dirty="0"/>
-              <a:t>Ограниченное использование </a:t>
-            </a:r>
-            <a:r>
-              <a:rPr lang="en-US" dirty="0"/>
-              <a:t>GOTO</a:t>
-            </a:r>
-            <a:endParaRPr lang="ru-RU" dirty="0"/>
+              <a:t>Цикл с заданным числом итераций </a:t>
+            </a:r>
           </a:p>
         </p:txBody>
       </p:sp>
@@ -21346,43 +21305,95 @@
           <a:lstStyle/>
           <a:p>
             <a:r>
-              <a:rPr lang="en-US" dirty="0"/>
-              <a:t>GOTO </a:t>
-            </a:r>
-            <a:r>
               <a:rPr lang="ru-RU" dirty="0"/>
-              <a:t>применяется в неявном виде для ограниченного изменения потока управления</a:t>
+              <a:t>Весьма нестрогое именование</a:t>
             </a:r>
             <a:endParaRPr lang="en-US" dirty="0"/>
           </a:p>
           <a:p>
-            <a:endParaRPr lang="ru-RU" dirty="0"/>
-          </a:p>
-          <a:p>
-            <a:r>
-              <a:rPr lang="en-US" dirty="0"/>
-              <a:t>return</a:t>
-            </a:r>
-          </a:p>
-          <a:p>
-            <a:r>
-              <a:rPr lang="en-US" dirty="0"/>
-              <a:t>break</a:t>
-            </a:r>
-          </a:p>
-          <a:p>
-            <a:r>
-              <a:rPr lang="en-US" dirty="0"/>
-              <a:t>continue</a:t>
-            </a:r>
-            <a:endParaRPr lang="ru-RU" dirty="0"/>
+            <a:pPr marL="0" indent="0">
+              <a:buNone/>
+            </a:pPr>
+            <a:r>
+              <a:rPr lang="en-US" sz="2400" dirty="0"/>
+              <a:t>for(</a:t>
+            </a:r>
+            <a:r>
+              <a:rPr lang="ru-RU" sz="2400" dirty="0"/>
+              <a:t>инициализация</a:t>
+            </a:r>
+            <a:r>
+              <a:rPr lang="en-US" sz="2400" dirty="0"/>
+              <a:t>;</a:t>
+            </a:r>
+            <a:r>
+              <a:rPr lang="ru-RU" sz="2400" dirty="0"/>
+              <a:t>условие_останова</a:t>
+            </a:r>
+            <a:r>
+              <a:rPr lang="en-US" sz="2400" dirty="0"/>
+              <a:t>;</a:t>
+            </a:r>
+            <a:r>
+              <a:rPr lang="ru-RU" sz="2400" dirty="0"/>
+              <a:t>смена_итерации</a:t>
+            </a:r>
+            <a:r>
+              <a:rPr lang="en-US" sz="2400" dirty="0"/>
+              <a:t>)</a:t>
+            </a:r>
+            <a:endParaRPr lang="ru-RU" sz="2400" dirty="0"/>
+          </a:p>
+          <a:p>
+            <a:pPr marL="0" indent="0">
+              <a:buNone/>
+            </a:pPr>
+            <a:r>
+              <a:rPr lang="en-US" sz="2400" dirty="0"/>
+              <a:t>{</a:t>
+            </a:r>
+            <a:endParaRPr lang="ru-RU" sz="2400" dirty="0"/>
+          </a:p>
+          <a:p>
+            <a:pPr marL="0" indent="0">
+              <a:buNone/>
+            </a:pPr>
+            <a:r>
+              <a:rPr lang="ru-RU" sz="2400" dirty="0"/>
+              <a:t>	тело_цикла</a:t>
+            </a:r>
+          </a:p>
+          <a:p>
+            <a:pPr marL="0" indent="0">
+              <a:buNone/>
+            </a:pPr>
+            <a:r>
+              <a:rPr lang="en-US" sz="2400" dirty="0"/>
+              <a:t>}</a:t>
+            </a:r>
+            <a:endParaRPr lang="ru-RU" sz="2400" dirty="0"/>
+          </a:p>
+          <a:p>
+            <a:pPr marL="0" indent="0">
+              <a:buNone/>
+            </a:pPr>
+            <a:endParaRPr lang="ru-RU" sz="2400" dirty="0"/>
+          </a:p>
+          <a:p>
+            <a:pPr marL="0" indent="0">
+              <a:buNone/>
+            </a:pPr>
+            <a:r>
+              <a:rPr lang="ru-RU" sz="2400" dirty="0"/>
+              <a:t>Инициализация, условие_останова и смена_итерации необязательны</a:t>
+            </a:r>
           </a:p>
         </p:txBody>
       </p:sp>
     </p:spTree>
     <p:extLst>
       <p:ext uri="{BB962C8B-B14F-4D97-AF65-F5344CB8AC3E}">
-        <p14:creationId xmlns:p14="http://schemas.microsoft.com/office/powerpoint/2010/main" val="1698094646"/>
+        <p14:creationId xmlns:p14="http://schemas.microsoft.com/office/powerpoint/2010/main" val="2843211129"/>
       </p:ext>
     </p:extLst>
   </p:cSld>
@@ -23706,8 +23717,8 @@
           </a:p>
         </p:txBody>
       </p:sp>
-      <mc:AlternateContent xmlns:mc="http://schemas.openxmlformats.org/markup-compatibility/2006">
-        <mc:Choice xmlns:a14="http://schemas.microsoft.com/office/drawing/2010/main" Requires="a14">
+      <mc:AlternateContent xmlns:mc="http://schemas.openxmlformats.org/markup-compatibility/2006" xmlns:a14="http://schemas.microsoft.com/office/drawing/2010/main">
+        <mc:Choice Requires="a14">
           <p:sp>
             <p:nvSpPr>
               <p:cNvPr id="18" name="TextBox 17"/>
@@ -23826,13 +23837,7 @@
                             <a:rPr lang="en-US" sz="3000" i="1">
                               <a:latin typeface="Cambria Math" panose="02040503050406030204" pitchFamily="18" charset="0"/>
                             </a:rPr>
-                            <m:t>3</m:t>
-                          </m:r>
-                          <m:r>
-                            <a:rPr lang="en-US" sz="3000" i="1">
-                              <a:latin typeface="Cambria Math" panose="02040503050406030204" pitchFamily="18" charset="0"/>
-                            </a:rPr>
-                            <m:t>2</m:t>
+                            <m:t>32</m:t>
                           </m:r>
                         </m:den>
                       </m:f>
@@ -23906,7 +23911,7 @@
             </p:txBody>
           </p:sp>
         </mc:Choice>
-        <mc:Fallback>
+        <mc:Fallback xmlns="">
           <p:sp>
             <p:nvSpPr>
               <p:cNvPr id="18" name="TextBox 17"/>
